--- a/Apresentaçao TCC.pptx
+++ b/Apresentaçao TCC.pptx
@@ -17032,8 +17032,8 @@
         </p:nvSpPr>
         <p:spPr>
           <a:xfrm>
-            <a:off x="4911816" y="1058050"/>
-            <a:ext cx="3266400" cy="2255100"/>
+            <a:off x="4963138" y="1246308"/>
+            <a:ext cx="3647237" cy="2040944"/>
           </a:xfrm>
           <a:prstGeom prst="rect">
             <a:avLst/>
@@ -17056,7 +17056,7 @@
             </a:pPr>
             <a:r>
               <a:rPr lang="en-US" sz="3600" dirty="0"/>
-              <a:t>Otimização de Fluxo de Tráfico</a:t>
+              <a:t>Otimização de Fluxo de Tráfego</a:t>
             </a:r>
             <a:endParaRPr sz="3600" dirty="0"/>
           </a:p>
@@ -17074,8 +17074,8 @@
         </p:nvSpPr>
         <p:spPr>
           <a:xfrm>
-            <a:off x="4972850" y="3098995"/>
-            <a:ext cx="3371050" cy="1446875"/>
+            <a:off x="4963138" y="3236211"/>
+            <a:ext cx="3589191" cy="1446875"/>
           </a:xfrm>
           <a:prstGeom prst="rect">
             <a:avLst/>
